--- a/Springer Latex/Book/figures2/LAA-LTE.pptx
+++ b/Springer Latex/Book/figures2/LAA-LTE.pptx
@@ -107,6 +107,22 @@
       </a:defRPr>
     </a:lvl9pPr>
   </p:defaultTextStyle>
+  <p:extLst>
+    <p:ext uri="{EFAFB233-063F-42B5-8137-9DF3F51BA10A}">
+      <p15:sldGuideLst xmlns:p15="http://schemas.microsoft.com/office/powerpoint/2012/main">
+        <p15:guide id="1" orient="horz" pos="2160">
+          <p15:clr>
+            <a:srgbClr val="A4A3A4"/>
+          </p15:clr>
+        </p15:guide>
+        <p15:guide id="2" pos="2880">
+          <p15:clr>
+            <a:srgbClr val="A4A3A4"/>
+          </p15:clr>
+        </p15:guide>
+      </p15:sldGuideLst>
+    </p:ext>
+  </p:extLst>
 </p:presentation>
 </file>
 
@@ -192,7 +208,7 @@
           <a:p>
             <a:fld id="{EA6E994D-EE54-45CF-8564-9B84D8B032D6}" type="datetimeFigureOut">
               <a:rPr lang="en-US" smtClean="0"/>
-              <a:t>2/1/2016</a:t>
+              <a:t>8/16/2016</a:t>
             </a:fld>
             <a:endParaRPr lang="en-US"/>
           </a:p>
@@ -256,38 +272,37 @@
           <a:p>
             <a:pPr lvl="0"/>
             <a:r>
-              <a:rPr lang="en-US" smtClean="0"/>
+              <a:rPr lang="en-US"/>
               <a:t>Click to edit Master text styles</a:t>
             </a:r>
           </a:p>
           <a:p>
             <a:pPr lvl="1"/>
             <a:r>
-              <a:rPr lang="en-US" smtClean="0"/>
+              <a:rPr lang="en-US"/>
               <a:t>Second level</a:t>
             </a:r>
           </a:p>
           <a:p>
             <a:pPr lvl="2"/>
             <a:r>
-              <a:rPr lang="en-US" smtClean="0"/>
+              <a:rPr lang="en-US"/>
               <a:t>Third level</a:t>
             </a:r>
           </a:p>
           <a:p>
             <a:pPr lvl="3"/>
             <a:r>
-              <a:rPr lang="en-US" smtClean="0"/>
+              <a:rPr lang="en-US"/>
               <a:t>Fourth level</a:t>
             </a:r>
           </a:p>
           <a:p>
             <a:pPr lvl="4"/>
             <a:r>
-              <a:rPr lang="en-US" smtClean="0"/>
+              <a:rPr lang="en-US"/>
               <a:t>Fifth level</a:t>
             </a:r>
-            <a:endParaRPr lang="en-US"/>
           </a:p>
         </p:txBody>
       </p:sp>
@@ -582,10 +597,9 @@
           <a:lstStyle/>
           <a:p>
             <a:r>
-              <a:rPr lang="en-US" smtClean="0"/>
+              <a:rPr lang="en-US"/>
               <a:t>Click to edit Master title style</a:t>
             </a:r>
-            <a:endParaRPr lang="en-US"/>
           </a:p>
         </p:txBody>
       </p:sp>
@@ -701,10 +715,9 @@
           </a:lstStyle>
           <a:p>
             <a:r>
-              <a:rPr lang="en-US" smtClean="0"/>
+              <a:rPr lang="en-US"/>
               <a:t>Click to edit Master subtitle style</a:t>
             </a:r>
-            <a:endParaRPr lang="en-US"/>
           </a:p>
         </p:txBody>
       </p:sp>
@@ -725,7 +738,7 @@
           <a:p>
             <a:fld id="{D79ED97D-5577-403C-B58C-D66171CB85CF}" type="datetimeFigureOut">
               <a:rPr lang="en-US" smtClean="0"/>
-              <a:t>2/1/2016</a:t>
+              <a:t>8/16/2016</a:t>
             </a:fld>
             <a:endParaRPr lang="en-US"/>
           </a:p>
@@ -819,10 +832,9 @@
           <a:lstStyle/>
           <a:p>
             <a:r>
-              <a:rPr lang="en-US" smtClean="0"/>
+              <a:rPr lang="en-US"/>
               <a:t>Click to edit Master title style</a:t>
             </a:r>
-            <a:endParaRPr lang="en-US"/>
           </a:p>
         </p:txBody>
       </p:sp>
@@ -843,38 +855,37 @@
           <a:p>
             <a:pPr lvl="0"/>
             <a:r>
-              <a:rPr lang="en-US" smtClean="0"/>
+              <a:rPr lang="en-US"/>
               <a:t>Click to edit Master text styles</a:t>
             </a:r>
           </a:p>
           <a:p>
             <a:pPr lvl="1"/>
             <a:r>
-              <a:rPr lang="en-US" smtClean="0"/>
+              <a:rPr lang="en-US"/>
               <a:t>Second level</a:t>
             </a:r>
           </a:p>
           <a:p>
             <a:pPr lvl="2"/>
             <a:r>
-              <a:rPr lang="en-US" smtClean="0"/>
+              <a:rPr lang="en-US"/>
               <a:t>Third level</a:t>
             </a:r>
           </a:p>
           <a:p>
             <a:pPr lvl="3"/>
             <a:r>
-              <a:rPr lang="en-US" smtClean="0"/>
+              <a:rPr lang="en-US"/>
               <a:t>Fourth level</a:t>
             </a:r>
           </a:p>
           <a:p>
             <a:pPr lvl="4"/>
             <a:r>
-              <a:rPr lang="en-US" smtClean="0"/>
+              <a:rPr lang="en-US"/>
               <a:t>Fifth level</a:t>
             </a:r>
-            <a:endParaRPr lang="en-US"/>
           </a:p>
         </p:txBody>
       </p:sp>
@@ -895,7 +906,7 @@
           <a:p>
             <a:fld id="{D79ED97D-5577-403C-B58C-D66171CB85CF}" type="datetimeFigureOut">
               <a:rPr lang="en-US" smtClean="0"/>
-              <a:t>2/1/2016</a:t>
+              <a:t>8/16/2016</a:t>
             </a:fld>
             <a:endParaRPr lang="en-US"/>
           </a:p>
@@ -994,10 +1005,9 @@
           <a:lstStyle/>
           <a:p>
             <a:r>
-              <a:rPr lang="en-US" smtClean="0"/>
+              <a:rPr lang="en-US"/>
               <a:t>Click to edit Master title style</a:t>
             </a:r>
-            <a:endParaRPr lang="en-US"/>
           </a:p>
         </p:txBody>
       </p:sp>
@@ -1023,38 +1033,37 @@
           <a:p>
             <a:pPr lvl="0"/>
             <a:r>
-              <a:rPr lang="en-US" smtClean="0"/>
+              <a:rPr lang="en-US"/>
               <a:t>Click to edit Master text styles</a:t>
             </a:r>
           </a:p>
           <a:p>
             <a:pPr lvl="1"/>
             <a:r>
-              <a:rPr lang="en-US" smtClean="0"/>
+              <a:rPr lang="en-US"/>
               <a:t>Second level</a:t>
             </a:r>
           </a:p>
           <a:p>
             <a:pPr lvl="2"/>
             <a:r>
-              <a:rPr lang="en-US" smtClean="0"/>
+              <a:rPr lang="en-US"/>
               <a:t>Third level</a:t>
             </a:r>
           </a:p>
           <a:p>
             <a:pPr lvl="3"/>
             <a:r>
-              <a:rPr lang="en-US" smtClean="0"/>
+              <a:rPr lang="en-US"/>
               <a:t>Fourth level</a:t>
             </a:r>
           </a:p>
           <a:p>
             <a:pPr lvl="4"/>
             <a:r>
-              <a:rPr lang="en-US" smtClean="0"/>
+              <a:rPr lang="en-US"/>
               <a:t>Fifth level</a:t>
             </a:r>
-            <a:endParaRPr lang="en-US"/>
           </a:p>
         </p:txBody>
       </p:sp>
@@ -1075,7 +1084,7 @@
           <a:p>
             <a:fld id="{D79ED97D-5577-403C-B58C-D66171CB85CF}" type="datetimeFigureOut">
               <a:rPr lang="en-US" smtClean="0"/>
-              <a:t>2/1/2016</a:t>
+              <a:t>8/16/2016</a:t>
             </a:fld>
             <a:endParaRPr lang="en-US"/>
           </a:p>
@@ -1169,10 +1178,9 @@
           <a:lstStyle/>
           <a:p>
             <a:r>
-              <a:rPr lang="en-US" smtClean="0"/>
+              <a:rPr lang="en-US"/>
               <a:t>Click to edit Master title style</a:t>
             </a:r>
-            <a:endParaRPr lang="en-US"/>
           </a:p>
         </p:txBody>
       </p:sp>
@@ -1193,38 +1201,37 @@
           <a:p>
             <a:pPr lvl="0"/>
             <a:r>
-              <a:rPr lang="en-US" smtClean="0"/>
+              <a:rPr lang="en-US"/>
               <a:t>Click to edit Master text styles</a:t>
             </a:r>
           </a:p>
           <a:p>
             <a:pPr lvl="1"/>
             <a:r>
-              <a:rPr lang="en-US" smtClean="0"/>
+              <a:rPr lang="en-US"/>
               <a:t>Second level</a:t>
             </a:r>
           </a:p>
           <a:p>
             <a:pPr lvl="2"/>
             <a:r>
-              <a:rPr lang="en-US" smtClean="0"/>
+              <a:rPr lang="en-US"/>
               <a:t>Third level</a:t>
             </a:r>
           </a:p>
           <a:p>
             <a:pPr lvl="3"/>
             <a:r>
-              <a:rPr lang="en-US" smtClean="0"/>
+              <a:rPr lang="en-US"/>
               <a:t>Fourth level</a:t>
             </a:r>
           </a:p>
           <a:p>
             <a:pPr lvl="4"/>
             <a:r>
-              <a:rPr lang="en-US" smtClean="0"/>
+              <a:rPr lang="en-US"/>
               <a:t>Fifth level</a:t>
             </a:r>
-            <a:endParaRPr lang="en-US"/>
           </a:p>
         </p:txBody>
       </p:sp>
@@ -1245,7 +1252,7 @@
           <a:p>
             <a:fld id="{D79ED97D-5577-403C-B58C-D66171CB85CF}" type="datetimeFigureOut">
               <a:rPr lang="en-US" smtClean="0"/>
-              <a:t>2/1/2016</a:t>
+              <a:t>8/16/2016</a:t>
             </a:fld>
             <a:endParaRPr lang="en-US"/>
           </a:p>
@@ -1348,10 +1355,9 @@
           </a:lstStyle>
           <a:p>
             <a:r>
-              <a:rPr lang="en-US" smtClean="0"/>
+              <a:rPr lang="en-US"/>
               <a:t>Click to edit Master title style</a:t>
             </a:r>
-            <a:endParaRPr lang="en-US"/>
           </a:p>
         </p:txBody>
       </p:sp>
@@ -1468,7 +1474,7 @@
           <a:p>
             <a:pPr lvl="0"/>
             <a:r>
-              <a:rPr lang="en-US" smtClean="0"/>
+              <a:rPr lang="en-US"/>
               <a:t>Click to edit Master text styles</a:t>
             </a:r>
           </a:p>
@@ -1491,7 +1497,7 @@
           <a:p>
             <a:fld id="{D79ED97D-5577-403C-B58C-D66171CB85CF}" type="datetimeFigureOut">
               <a:rPr lang="en-US" smtClean="0"/>
-              <a:t>2/1/2016</a:t>
+              <a:t>8/16/2016</a:t>
             </a:fld>
             <a:endParaRPr lang="en-US"/>
           </a:p>
@@ -1585,10 +1591,9 @@
           <a:lstStyle/>
           <a:p>
             <a:r>
-              <a:rPr lang="en-US" smtClean="0"/>
+              <a:rPr lang="en-US"/>
               <a:t>Click to edit Master title style</a:t>
             </a:r>
-            <a:endParaRPr lang="en-US"/>
           </a:p>
         </p:txBody>
       </p:sp>
@@ -1642,38 +1647,37 @@
           <a:p>
             <a:pPr lvl="0"/>
             <a:r>
-              <a:rPr lang="en-US" smtClean="0"/>
+              <a:rPr lang="en-US"/>
               <a:t>Click to edit Master text styles</a:t>
             </a:r>
           </a:p>
           <a:p>
             <a:pPr lvl="1"/>
             <a:r>
-              <a:rPr lang="en-US" smtClean="0"/>
+              <a:rPr lang="en-US"/>
               <a:t>Second level</a:t>
             </a:r>
           </a:p>
           <a:p>
             <a:pPr lvl="2"/>
             <a:r>
-              <a:rPr lang="en-US" smtClean="0"/>
+              <a:rPr lang="en-US"/>
               <a:t>Third level</a:t>
             </a:r>
           </a:p>
           <a:p>
             <a:pPr lvl="3"/>
             <a:r>
-              <a:rPr lang="en-US" smtClean="0"/>
+              <a:rPr lang="en-US"/>
               <a:t>Fourth level</a:t>
             </a:r>
           </a:p>
           <a:p>
             <a:pPr lvl="4"/>
             <a:r>
-              <a:rPr lang="en-US" smtClean="0"/>
+              <a:rPr lang="en-US"/>
               <a:t>Fifth level</a:t>
             </a:r>
-            <a:endParaRPr lang="en-US"/>
           </a:p>
         </p:txBody>
       </p:sp>
@@ -1727,38 +1731,37 @@
           <a:p>
             <a:pPr lvl="0"/>
             <a:r>
-              <a:rPr lang="en-US" smtClean="0"/>
+              <a:rPr lang="en-US"/>
               <a:t>Click to edit Master text styles</a:t>
             </a:r>
           </a:p>
           <a:p>
             <a:pPr lvl="1"/>
             <a:r>
-              <a:rPr lang="en-US" smtClean="0"/>
+              <a:rPr lang="en-US"/>
               <a:t>Second level</a:t>
             </a:r>
           </a:p>
           <a:p>
             <a:pPr lvl="2"/>
             <a:r>
-              <a:rPr lang="en-US" smtClean="0"/>
+              <a:rPr lang="en-US"/>
               <a:t>Third level</a:t>
             </a:r>
           </a:p>
           <a:p>
             <a:pPr lvl="3"/>
             <a:r>
-              <a:rPr lang="en-US" smtClean="0"/>
+              <a:rPr lang="en-US"/>
               <a:t>Fourth level</a:t>
             </a:r>
           </a:p>
           <a:p>
             <a:pPr lvl="4"/>
             <a:r>
-              <a:rPr lang="en-US" smtClean="0"/>
+              <a:rPr lang="en-US"/>
               <a:t>Fifth level</a:t>
             </a:r>
-            <a:endParaRPr lang="en-US"/>
           </a:p>
         </p:txBody>
       </p:sp>
@@ -1779,7 +1782,7 @@
           <a:p>
             <a:fld id="{D79ED97D-5577-403C-B58C-D66171CB85CF}" type="datetimeFigureOut">
               <a:rPr lang="en-US" smtClean="0"/>
-              <a:t>2/1/2016</a:t>
+              <a:t>8/16/2016</a:t>
             </a:fld>
             <a:endParaRPr lang="en-US"/>
           </a:p>
@@ -1877,10 +1880,9 @@
           </a:lstStyle>
           <a:p>
             <a:r>
-              <a:rPr lang="en-US" smtClean="0"/>
+              <a:rPr lang="en-US"/>
               <a:t>Click to edit Master title style</a:t>
             </a:r>
-            <a:endParaRPr lang="en-US"/>
           </a:p>
         </p:txBody>
       </p:sp>
@@ -1943,7 +1945,7 @@
           <a:p>
             <a:pPr lvl="0"/>
             <a:r>
-              <a:rPr lang="en-US" smtClean="0"/>
+              <a:rPr lang="en-US"/>
               <a:t>Click to edit Master text styles</a:t>
             </a:r>
           </a:p>
@@ -1999,38 +2001,37 @@
           <a:p>
             <a:pPr lvl="0"/>
             <a:r>
-              <a:rPr lang="en-US" smtClean="0"/>
+              <a:rPr lang="en-US"/>
               <a:t>Click to edit Master text styles</a:t>
             </a:r>
           </a:p>
           <a:p>
             <a:pPr lvl="1"/>
             <a:r>
-              <a:rPr lang="en-US" smtClean="0"/>
+              <a:rPr lang="en-US"/>
               <a:t>Second level</a:t>
             </a:r>
           </a:p>
           <a:p>
             <a:pPr lvl="2"/>
             <a:r>
-              <a:rPr lang="en-US" smtClean="0"/>
+              <a:rPr lang="en-US"/>
               <a:t>Third level</a:t>
             </a:r>
           </a:p>
           <a:p>
             <a:pPr lvl="3"/>
             <a:r>
-              <a:rPr lang="en-US" smtClean="0"/>
+              <a:rPr lang="en-US"/>
               <a:t>Fourth level</a:t>
             </a:r>
           </a:p>
           <a:p>
             <a:pPr lvl="4"/>
             <a:r>
-              <a:rPr lang="en-US" smtClean="0"/>
+              <a:rPr lang="en-US"/>
               <a:t>Fifth level</a:t>
             </a:r>
-            <a:endParaRPr lang="en-US"/>
           </a:p>
         </p:txBody>
       </p:sp>
@@ -2093,7 +2094,7 @@
           <a:p>
             <a:pPr lvl="0"/>
             <a:r>
-              <a:rPr lang="en-US" smtClean="0"/>
+              <a:rPr lang="en-US"/>
               <a:t>Click to edit Master text styles</a:t>
             </a:r>
           </a:p>
@@ -2149,38 +2150,37 @@
           <a:p>
             <a:pPr lvl="0"/>
             <a:r>
-              <a:rPr lang="en-US" smtClean="0"/>
+              <a:rPr lang="en-US"/>
               <a:t>Click to edit Master text styles</a:t>
             </a:r>
           </a:p>
           <a:p>
             <a:pPr lvl="1"/>
             <a:r>
-              <a:rPr lang="en-US" smtClean="0"/>
+              <a:rPr lang="en-US"/>
               <a:t>Second level</a:t>
             </a:r>
           </a:p>
           <a:p>
             <a:pPr lvl="2"/>
             <a:r>
-              <a:rPr lang="en-US" smtClean="0"/>
+              <a:rPr lang="en-US"/>
               <a:t>Third level</a:t>
             </a:r>
           </a:p>
           <a:p>
             <a:pPr lvl="3"/>
             <a:r>
-              <a:rPr lang="en-US" smtClean="0"/>
+              <a:rPr lang="en-US"/>
               <a:t>Fourth level</a:t>
             </a:r>
           </a:p>
           <a:p>
             <a:pPr lvl="4"/>
             <a:r>
-              <a:rPr lang="en-US" smtClean="0"/>
+              <a:rPr lang="en-US"/>
               <a:t>Fifth level</a:t>
             </a:r>
-            <a:endParaRPr lang="en-US"/>
           </a:p>
         </p:txBody>
       </p:sp>
@@ -2201,7 +2201,7 @@
           <a:p>
             <a:fld id="{D79ED97D-5577-403C-B58C-D66171CB85CF}" type="datetimeFigureOut">
               <a:rPr lang="en-US" smtClean="0"/>
-              <a:t>2/1/2016</a:t>
+              <a:t>8/16/2016</a:t>
             </a:fld>
             <a:endParaRPr lang="en-US"/>
           </a:p>
@@ -2295,10 +2295,9 @@
           <a:lstStyle/>
           <a:p>
             <a:r>
-              <a:rPr lang="en-US" smtClean="0"/>
+              <a:rPr lang="en-US"/>
               <a:t>Click to edit Master title style</a:t>
             </a:r>
-            <a:endParaRPr lang="en-US"/>
           </a:p>
         </p:txBody>
       </p:sp>
@@ -2319,7 +2318,7 @@
           <a:p>
             <a:fld id="{D79ED97D-5577-403C-B58C-D66171CB85CF}" type="datetimeFigureOut">
               <a:rPr lang="en-US" smtClean="0"/>
-              <a:t>2/1/2016</a:t>
+              <a:t>8/16/2016</a:t>
             </a:fld>
             <a:endParaRPr lang="en-US"/>
           </a:p>
@@ -2414,7 +2413,7 @@
           <a:p>
             <a:fld id="{D79ED97D-5577-403C-B58C-D66171CB85CF}" type="datetimeFigureOut">
               <a:rPr lang="en-US" smtClean="0"/>
-              <a:t>2/1/2016</a:t>
+              <a:t>8/16/2016</a:t>
             </a:fld>
             <a:endParaRPr lang="en-US"/>
           </a:p>
@@ -2517,10 +2516,9 @@
           </a:lstStyle>
           <a:p>
             <a:r>
-              <a:rPr lang="en-US" smtClean="0"/>
+              <a:rPr lang="en-US"/>
               <a:t>Click to edit Master title style</a:t>
             </a:r>
-            <a:endParaRPr lang="en-US"/>
           </a:p>
         </p:txBody>
       </p:sp>
@@ -2574,38 +2572,37 @@
           <a:p>
             <a:pPr lvl="0"/>
             <a:r>
-              <a:rPr lang="en-US" smtClean="0"/>
+              <a:rPr lang="en-US"/>
               <a:t>Click to edit Master text styles</a:t>
             </a:r>
           </a:p>
           <a:p>
             <a:pPr lvl="1"/>
             <a:r>
-              <a:rPr lang="en-US" smtClean="0"/>
+              <a:rPr lang="en-US"/>
               <a:t>Second level</a:t>
             </a:r>
           </a:p>
           <a:p>
             <a:pPr lvl="2"/>
             <a:r>
-              <a:rPr lang="en-US" smtClean="0"/>
+              <a:rPr lang="en-US"/>
               <a:t>Third level</a:t>
             </a:r>
           </a:p>
           <a:p>
             <a:pPr lvl="3"/>
             <a:r>
-              <a:rPr lang="en-US" smtClean="0"/>
+              <a:rPr lang="en-US"/>
               <a:t>Fourth level</a:t>
             </a:r>
           </a:p>
           <a:p>
             <a:pPr lvl="4"/>
             <a:r>
-              <a:rPr lang="en-US" smtClean="0"/>
+              <a:rPr lang="en-US"/>
               <a:t>Fifth level</a:t>
             </a:r>
-            <a:endParaRPr lang="en-US"/>
           </a:p>
         </p:txBody>
       </p:sp>
@@ -2668,7 +2665,7 @@
           <a:p>
             <a:pPr lvl="0"/>
             <a:r>
-              <a:rPr lang="en-US" smtClean="0"/>
+              <a:rPr lang="en-US"/>
               <a:t>Click to edit Master text styles</a:t>
             </a:r>
           </a:p>
@@ -2691,7 +2688,7 @@
           <a:p>
             <a:fld id="{D79ED97D-5577-403C-B58C-D66171CB85CF}" type="datetimeFigureOut">
               <a:rPr lang="en-US" smtClean="0"/>
-              <a:t>2/1/2016</a:t>
+              <a:t>8/16/2016</a:t>
             </a:fld>
             <a:endParaRPr lang="en-US"/>
           </a:p>
@@ -2794,10 +2791,9 @@
           </a:lstStyle>
           <a:p>
             <a:r>
-              <a:rPr lang="en-US" smtClean="0"/>
+              <a:rPr lang="en-US"/>
               <a:t>Click to edit Master title style</a:t>
             </a:r>
-            <a:endParaRPr lang="en-US"/>
           </a:p>
         </p:txBody>
       </p:sp>
@@ -2921,7 +2917,7 @@
           <a:p>
             <a:pPr lvl="0"/>
             <a:r>
-              <a:rPr lang="en-US" smtClean="0"/>
+              <a:rPr lang="en-US"/>
               <a:t>Click to edit Master text styles</a:t>
             </a:r>
           </a:p>
@@ -2944,7 +2940,7 @@
           <a:p>
             <a:fld id="{D79ED97D-5577-403C-B58C-D66171CB85CF}" type="datetimeFigureOut">
               <a:rPr lang="en-US" smtClean="0"/>
-              <a:t>2/1/2016</a:t>
+              <a:t>8/16/2016</a:t>
             </a:fld>
             <a:endParaRPr lang="en-US"/>
           </a:p>
@@ -3053,10 +3049,9 @@
           <a:lstStyle/>
           <a:p>
             <a:r>
-              <a:rPr lang="en-US" smtClean="0"/>
+              <a:rPr lang="en-US"/>
               <a:t>Click to edit Master title style</a:t>
             </a:r>
-            <a:endParaRPr lang="en-US"/>
           </a:p>
         </p:txBody>
       </p:sp>
@@ -3087,38 +3082,37 @@
           <a:p>
             <a:pPr lvl="0"/>
             <a:r>
-              <a:rPr lang="en-US" smtClean="0"/>
+              <a:rPr lang="en-US"/>
               <a:t>Click to edit Master text styles</a:t>
             </a:r>
           </a:p>
           <a:p>
             <a:pPr lvl="1"/>
             <a:r>
-              <a:rPr lang="en-US" smtClean="0"/>
+              <a:rPr lang="en-US"/>
               <a:t>Second level</a:t>
             </a:r>
           </a:p>
           <a:p>
             <a:pPr lvl="2"/>
             <a:r>
-              <a:rPr lang="en-US" smtClean="0"/>
+              <a:rPr lang="en-US"/>
               <a:t>Third level</a:t>
             </a:r>
           </a:p>
           <a:p>
             <a:pPr lvl="3"/>
             <a:r>
-              <a:rPr lang="en-US" smtClean="0"/>
+              <a:rPr lang="en-US"/>
               <a:t>Fourth level</a:t>
             </a:r>
           </a:p>
           <a:p>
             <a:pPr lvl="4"/>
             <a:r>
-              <a:rPr lang="en-US" smtClean="0"/>
+              <a:rPr lang="en-US"/>
               <a:t>Fifth level</a:t>
             </a:r>
-            <a:endParaRPr lang="en-US"/>
           </a:p>
         </p:txBody>
       </p:sp>
@@ -3157,7 +3151,7 @@
           <a:p>
             <a:fld id="{D79ED97D-5577-403C-B58C-D66171CB85CF}" type="datetimeFigureOut">
               <a:rPr lang="en-US" smtClean="0"/>
-              <a:t>2/1/2016</a:t>
+              <a:t>8/16/2016</a:t>
             </a:fld>
             <a:endParaRPr lang="en-US"/>
           </a:p>
@@ -3711,10 +3705,9 @@
           <a:lstStyle/>
           <a:p>
             <a:r>
-              <a:rPr lang="en-US" sz="900" dirty="0" smtClean="0"/>
+              <a:rPr lang="en-US" sz="900" dirty="0"/>
               <a:t>DIFS</a:t>
             </a:r>
-            <a:endParaRPr lang="en-US" sz="900" dirty="0"/>
           </a:p>
         </p:txBody>
       </p:sp>
@@ -4133,10 +4126,9 @@
           <a:lstStyle/>
           <a:p>
             <a:r>
-              <a:rPr lang="en-US" sz="1200" dirty="0" smtClean="0"/>
+              <a:rPr lang="en-US" sz="1200" dirty="0"/>
               <a:t>Time</a:t>
             </a:r>
-            <a:endParaRPr lang="en-US" sz="1200" dirty="0"/>
           </a:p>
         </p:txBody>
       </p:sp>
@@ -4172,7 +4164,7 @@
           </a:bodyPr>
           <a:lstStyle/>
           <a:p>
-            <a:endParaRPr lang="en-US" sz="1400" dirty="0" smtClean="0"/>
+            <a:endParaRPr lang="en-US" sz="1400" dirty="0"/>
           </a:p>
           <a:p>
             <a:endParaRPr lang="en-US" sz="1400" dirty="0"/>
@@ -4197,7 +4189,9 @@
             <a:avLst/>
           </a:prstGeom>
           <a:solidFill>
-            <a:srgbClr val="FFCCFF"/>
+            <a:schemeClr val="accent4">
+              <a:lumMod val="75000"/>
+            </a:schemeClr>
           </a:solidFill>
           <a:ln w="0">
             <a:solidFill>
@@ -4211,7 +4205,7 @@
           </a:bodyPr>
           <a:lstStyle/>
           <a:p>
-            <a:endParaRPr lang="en-US" sz="1400" dirty="0" smtClean="0"/>
+            <a:endParaRPr lang="en-US" sz="1400" dirty="0"/>
           </a:p>
           <a:p>
             <a:endParaRPr lang="en-US" sz="1400" dirty="0"/>
@@ -4248,21 +4242,16 @@
           <a:p>
             <a:pPr algn="ctr"/>
             <a:r>
-              <a:rPr lang="en-US" sz="1100" dirty="0" smtClean="0"/>
+              <a:rPr lang="en-US" sz="1100" dirty="0"/>
               <a:t>LAA</a:t>
             </a:r>
             <a:br>
-              <a:rPr lang="en-US" sz="1100" dirty="0" smtClean="0"/>
+              <a:rPr lang="en-US" sz="1100" dirty="0"/>
             </a:br>
             <a:r>
               <a:rPr lang="en-US" sz="1100" dirty="0"/>
-              <a:t>u</a:t>
-            </a:r>
-            <a:r>
-              <a:rPr lang="en-US" sz="1100" dirty="0" smtClean="0"/>
-              <a:t>nsuccessful CCA</a:t>
-            </a:r>
-            <a:endParaRPr lang="en-US" sz="1100" dirty="0"/>
+              <a:t>unsuccessful CCA</a:t>
+            </a:r>
           </a:p>
         </p:txBody>
       </p:sp>
@@ -4293,17 +4282,16 @@
           <a:p>
             <a:pPr algn="ctr"/>
             <a:r>
-              <a:rPr lang="en-US" sz="1100" dirty="0" smtClean="0"/>
+              <a:rPr lang="en-US" sz="1100" dirty="0"/>
               <a:t>LAA</a:t>
             </a:r>
             <a:br>
-              <a:rPr lang="en-US" sz="1100" dirty="0" smtClean="0"/>
+              <a:rPr lang="en-US" sz="1100" dirty="0"/>
             </a:br>
             <a:r>
-              <a:rPr lang="en-US" sz="1100" dirty="0" smtClean="0"/>
+              <a:rPr lang="en-US" sz="1100" dirty="0"/>
               <a:t>successful CCA</a:t>
             </a:r>
-            <a:endParaRPr lang="en-US" sz="1100" dirty="0"/>
           </a:p>
         </p:txBody>
       </p:sp>
@@ -4387,31 +4375,15 @@
           <a:lstStyle/>
           <a:p>
             <a:pPr algn="ctr"/>
-            <a:r>
-              <a:rPr lang="en-US" sz="1400" b="1" dirty="0" smtClean="0">
-                <a:solidFill>
-                  <a:schemeClr val="bg1"/>
-                </a:solidFill>
-              </a:rPr>
-              <a:t/>
-            </a:r>
             <a:br>
-              <a:rPr lang="en-US" sz="1400" b="1" dirty="0" smtClean="0">
+              <a:rPr lang="en-US" sz="1400" b="1" dirty="0">
                 <a:solidFill>
                   <a:schemeClr val="bg1"/>
                 </a:solidFill>
               </a:rPr>
             </a:br>
-            <a:r>
-              <a:rPr lang="en-US" sz="1400" b="1" dirty="0" smtClean="0">
-                <a:solidFill>
-                  <a:schemeClr val="bg1"/>
-                </a:solidFill>
-              </a:rPr>
-              <a:t/>
-            </a:r>
             <a:br>
-              <a:rPr lang="en-US" sz="1400" b="1" dirty="0" smtClean="0">
+              <a:rPr lang="en-US" sz="1400" b="1" dirty="0">
                 <a:solidFill>
                   <a:schemeClr val="bg1"/>
                 </a:solidFill>
@@ -4440,7 +4412,9 @@
             <a:avLst/>
           </a:prstGeom>
           <a:solidFill>
-            <a:srgbClr val="FFCCFF"/>
+            <a:schemeClr val="accent4">
+              <a:lumMod val="75000"/>
+            </a:schemeClr>
           </a:solidFill>
           <a:ln w="0">
             <a:solidFill>
@@ -4454,7 +4428,7 @@
           </a:bodyPr>
           <a:lstStyle/>
           <a:p>
-            <a:endParaRPr lang="en-US" sz="1400" dirty="0" smtClean="0"/>
+            <a:endParaRPr lang="en-US" sz="1400" dirty="0"/>
           </a:p>
           <a:p>
             <a:endParaRPr lang="en-US" sz="1400" dirty="0"/>
@@ -4479,7 +4453,9 @@
             <a:avLst/>
           </a:prstGeom>
           <a:solidFill>
-            <a:srgbClr val="FFCCFF"/>
+            <a:schemeClr val="accent4">
+              <a:lumMod val="75000"/>
+            </a:schemeClr>
           </a:solidFill>
           <a:ln w="0">
             <a:solidFill>
@@ -4493,7 +4469,7 @@
           </a:bodyPr>
           <a:lstStyle/>
           <a:p>
-            <a:endParaRPr lang="en-US" sz="1400" dirty="0" smtClean="0"/>
+            <a:endParaRPr lang="en-US" sz="1400" dirty="0"/>
           </a:p>
           <a:p>
             <a:endParaRPr lang="en-US" sz="1400" dirty="0"/>
@@ -4535,7 +4511,7 @@
           </a:bodyPr>
           <a:lstStyle/>
           <a:p>
-            <a:endParaRPr lang="en-US" sz="1400" dirty="0" smtClean="0"/>
+            <a:endParaRPr lang="en-US" sz="1400" dirty="0"/>
           </a:p>
           <a:p>
             <a:endParaRPr lang="en-US" sz="1400" dirty="0"/>
@@ -4575,31 +4551,15 @@
           <a:lstStyle/>
           <a:p>
             <a:pPr algn="ctr"/>
-            <a:r>
-              <a:rPr lang="en-US" sz="1400" b="1" dirty="0" smtClean="0">
-                <a:solidFill>
-                  <a:srgbClr val="92D050"/>
-                </a:solidFill>
-              </a:rPr>
-              <a:t/>
-            </a:r>
             <a:br>
-              <a:rPr lang="en-US" sz="1400" b="1" dirty="0" smtClean="0">
+              <a:rPr lang="en-US" sz="1400" b="1" dirty="0">
                 <a:solidFill>
                   <a:srgbClr val="92D050"/>
                 </a:solidFill>
               </a:rPr>
             </a:br>
-            <a:r>
-              <a:rPr lang="en-US" sz="1400" b="1" dirty="0" smtClean="0">
-                <a:solidFill>
-                  <a:srgbClr val="92D050"/>
-                </a:solidFill>
-              </a:rPr>
-              <a:t/>
-            </a:r>
             <a:br>
-              <a:rPr lang="en-US" sz="1400" b="1" dirty="0" smtClean="0">
+              <a:rPr lang="en-US" sz="1400" b="1" dirty="0">
                 <a:solidFill>
                   <a:srgbClr val="92D050"/>
                 </a:solidFill>
@@ -4628,7 +4588,9 @@
             <a:avLst/>
           </a:prstGeom>
           <a:solidFill>
-            <a:srgbClr val="FFCCFF"/>
+            <a:schemeClr val="accent4">
+              <a:lumMod val="75000"/>
+            </a:schemeClr>
           </a:solidFill>
           <a:ln w="0">
             <a:solidFill>
@@ -4642,7 +4604,7 @@
           </a:bodyPr>
           <a:lstStyle/>
           <a:p>
-            <a:endParaRPr lang="en-US" sz="1400" dirty="0" smtClean="0"/>
+            <a:endParaRPr lang="en-US" sz="1400" dirty="0"/>
           </a:p>
           <a:p>
             <a:endParaRPr lang="en-US" sz="1400" dirty="0"/>
@@ -4684,7 +4646,7 @@
           </a:bodyPr>
           <a:lstStyle/>
           <a:p>
-            <a:endParaRPr lang="en-US" sz="1400" dirty="0" smtClean="0"/>
+            <a:endParaRPr lang="en-US" sz="1400" dirty="0"/>
           </a:p>
           <a:p>
             <a:endParaRPr lang="en-US" sz="1400" dirty="0"/>
@@ -4709,7 +4671,9 @@
             <a:avLst/>
           </a:prstGeom>
           <a:solidFill>
-            <a:srgbClr val="FFCCFF"/>
+            <a:schemeClr val="accent4">
+              <a:lumMod val="75000"/>
+            </a:schemeClr>
           </a:solidFill>
           <a:ln w="0">
             <a:solidFill>
@@ -4723,7 +4687,7 @@
           </a:bodyPr>
           <a:lstStyle/>
           <a:p>
-            <a:endParaRPr lang="en-US" sz="1400" dirty="0" smtClean="0"/>
+            <a:endParaRPr lang="en-US" sz="1400" dirty="0"/>
           </a:p>
           <a:p>
             <a:endParaRPr lang="en-US" sz="1400" dirty="0"/>
@@ -4748,7 +4712,9 @@
             <a:avLst/>
           </a:prstGeom>
           <a:solidFill>
-            <a:srgbClr val="FFCCFF"/>
+            <a:schemeClr val="accent4">
+              <a:lumMod val="75000"/>
+            </a:schemeClr>
           </a:solidFill>
           <a:ln w="0">
             <a:solidFill>
@@ -4762,7 +4728,7 @@
           </a:bodyPr>
           <a:lstStyle/>
           <a:p>
-            <a:endParaRPr lang="en-US" sz="1400" dirty="0" smtClean="0"/>
+            <a:endParaRPr lang="en-US" sz="1400" dirty="0"/>
           </a:p>
           <a:p>
             <a:endParaRPr lang="en-US" sz="1400" dirty="0"/>
@@ -4804,7 +4770,7 @@
           </a:bodyPr>
           <a:lstStyle/>
           <a:p>
-            <a:endParaRPr lang="en-US" sz="1400" dirty="0" smtClean="0"/>
+            <a:endParaRPr lang="en-US" sz="1400" dirty="0"/>
           </a:p>
           <a:p>
             <a:endParaRPr lang="en-US" sz="1400" dirty="0"/>
@@ -4843,7 +4809,7 @@
           </a:bodyPr>
           <a:lstStyle/>
           <a:p>
-            <a:endParaRPr lang="en-US" sz="1400" dirty="0" smtClean="0"/>
+            <a:endParaRPr lang="en-US" sz="1400" dirty="0"/>
           </a:p>
           <a:p>
             <a:endParaRPr lang="en-US" sz="1400" dirty="0"/>
@@ -4885,7 +4851,7 @@
           </a:bodyPr>
           <a:lstStyle/>
           <a:p>
-            <a:endParaRPr lang="en-US" sz="1400" dirty="0" smtClean="0"/>
+            <a:endParaRPr lang="en-US" sz="1400" dirty="0"/>
           </a:p>
           <a:p>
             <a:endParaRPr lang="en-US" sz="1400" dirty="0"/>
@@ -4910,7 +4876,9 @@
             <a:avLst/>
           </a:prstGeom>
           <a:solidFill>
-            <a:srgbClr val="FFCCFF"/>
+            <a:schemeClr val="accent4">
+              <a:lumMod val="75000"/>
+            </a:schemeClr>
           </a:solidFill>
           <a:ln w="0">
             <a:solidFill>
@@ -4924,7 +4892,7 @@
           </a:bodyPr>
           <a:lstStyle/>
           <a:p>
-            <a:endParaRPr lang="en-US" sz="1400" dirty="0" smtClean="0"/>
+            <a:endParaRPr lang="en-US" sz="1400" dirty="0"/>
           </a:p>
           <a:p>
             <a:endParaRPr lang="en-US" sz="1400" dirty="0"/>
@@ -4999,18 +4967,17 @@
           <a:p>
             <a:pPr algn="ctr"/>
             <a:r>
-              <a:rPr lang="en-US" sz="1050" dirty="0" smtClean="0"/>
+              <a:rPr lang="en-US" sz="1050" dirty="0"/>
               <a:t>ECCA with </a:t>
             </a:r>
             <a:r>
-              <a:rPr lang="en-US" sz="1050" i="1" dirty="0" smtClean="0"/>
+              <a:rPr lang="en-US" sz="1050" i="1" dirty="0"/>
               <a:t>N</a:t>
             </a:r>
             <a:r>
-              <a:rPr lang="en-US" sz="1050" dirty="0" smtClean="0"/>
+              <a:rPr lang="en-US" sz="1050" dirty="0"/>
               <a:t> = 5</a:t>
             </a:r>
-            <a:endParaRPr lang="en-US" sz="1050" dirty="0"/>
           </a:p>
         </p:txBody>
       </p:sp>
@@ -5046,7 +5013,7 @@
           </a:bodyPr>
           <a:lstStyle/>
           <a:p>
-            <a:endParaRPr lang="en-US" sz="1400" dirty="0" smtClean="0"/>
+            <a:endParaRPr lang="en-US" sz="1400" dirty="0"/>
           </a:p>
           <a:p>
             <a:endParaRPr lang="en-US" sz="1400" dirty="0"/>
@@ -5085,7 +5052,7 @@
           </a:bodyPr>
           <a:lstStyle/>
           <a:p>
-            <a:endParaRPr lang="en-US" sz="1400" dirty="0" smtClean="0"/>
+            <a:endParaRPr lang="en-US" sz="1400" dirty="0"/>
           </a:p>
           <a:p>
             <a:endParaRPr lang="en-US" sz="1400" dirty="0"/>
@@ -5122,7 +5089,7 @@
           </a:bodyPr>
           <a:lstStyle/>
           <a:p>
-            <a:endParaRPr lang="en-US" sz="1400" dirty="0" smtClean="0"/>
+            <a:endParaRPr lang="en-US" sz="1400" dirty="0"/>
           </a:p>
           <a:p>
             <a:endParaRPr lang="en-US" sz="1400" dirty="0"/>
@@ -5161,7 +5128,7 @@
           </a:bodyPr>
           <a:lstStyle/>
           <a:p>
-            <a:endParaRPr lang="en-US" sz="1400" dirty="0" smtClean="0"/>
+            <a:endParaRPr lang="en-US" sz="1400" dirty="0"/>
           </a:p>
           <a:p>
             <a:endParaRPr lang="en-US" sz="1400" dirty="0"/>
@@ -5179,20 +5146,13 @@
         </p:nvSpPr>
         <p:spPr>
           <a:xfrm>
-            <a:off x="3604737" y="3735452"/>
-            <a:ext cx="274320" cy="466344"/>
+            <a:off x="3605678" y="3739295"/>
+            <a:ext cx="274320" cy="458652"/>
           </a:xfrm>
           <a:prstGeom prst="rect">
             <a:avLst/>
           </a:prstGeom>
-          <a:pattFill prst="pct25">
-            <a:fgClr>
-              <a:srgbClr val="9933FF"/>
-            </a:fgClr>
-            <a:bgClr>
-              <a:schemeClr val="bg1"/>
-            </a:bgClr>
-          </a:pattFill>
+          <a:pattFill prst="pct25"/>
           <a:ln w="0">
             <a:solidFill>
               <a:schemeClr val="tx1"/>
@@ -5203,15 +5163,22 @@
           <a:bodyPr wrap="square" rtlCol="0">
             <a:spAutoFit/>
           </a:bodyPr>
-          <a:lstStyle/>
-          <a:p>
-            <a:endParaRPr lang="en-US" sz="1400" dirty="0" smtClean="0"/>
-          </a:p>
-          <a:p>
-            <a:endParaRPr lang="en-US" sz="1400" dirty="0"/>
-          </a:p>
-          <a:p>
-            <a:endParaRPr lang="en-US" sz="1400" dirty="0"/>
+          <a:lstStyle>
+            <a:defPPr>
+              <a:defRPr lang="en-US"/>
+            </a:defPPr>
+            <a:lvl1pPr>
+              <a:defRPr sz="1400"/>
+            </a:lvl1pPr>
+          </a:lstStyle>
+          <a:p>
+            <a:endParaRPr lang="en-US" dirty="0"/>
+          </a:p>
+          <a:p>
+            <a:endParaRPr lang="en-US" dirty="0"/>
+          </a:p>
+          <a:p>
+            <a:endParaRPr lang="en-US" dirty="0"/>
           </a:p>
         </p:txBody>
       </p:sp>
@@ -5244,7 +5211,7 @@
           </a:bodyPr>
           <a:lstStyle/>
           <a:p>
-            <a:endParaRPr lang="en-US" sz="1400" dirty="0" smtClean="0"/>
+            <a:endParaRPr lang="en-US" sz="1400" dirty="0"/>
           </a:p>
           <a:p>
             <a:endParaRPr lang="en-US" sz="1400" dirty="0"/>
@@ -5283,7 +5250,7 @@
           </a:bodyPr>
           <a:lstStyle/>
           <a:p>
-            <a:endParaRPr lang="en-US" sz="1400" dirty="0" smtClean="0"/>
+            <a:endParaRPr lang="en-US" sz="1400" dirty="0"/>
           </a:p>
           <a:p>
             <a:endParaRPr lang="en-US" sz="1400" dirty="0"/>
@@ -5322,7 +5289,7 @@
           </a:bodyPr>
           <a:lstStyle/>
           <a:p>
-            <a:endParaRPr lang="en-US" sz="1400" dirty="0" smtClean="0"/>
+            <a:endParaRPr lang="en-US" sz="1400" dirty="0"/>
           </a:p>
           <a:p>
             <a:endParaRPr lang="en-US" sz="1400" dirty="0"/>
@@ -5361,25 +5328,25 @@
           </a:bodyPr>
           <a:lstStyle/>
           <a:p>
-            <a:endParaRPr lang="en-US" sz="1400" dirty="0" smtClean="0"/>
-          </a:p>
-          <a:p>
-            <a:endParaRPr lang="en-US" sz="1400" dirty="0"/>
-          </a:p>
-          <a:p>
-            <a:endParaRPr lang="en-US" sz="1400" dirty="0"/>
-          </a:p>
-        </p:txBody>
-      </p:sp>
-      <p:sp>
-        <p:nvSpPr>
-          <p:cNvPr id="135" name="TextBox 134"/>
+            <a:endParaRPr lang="en-US" sz="1400" dirty="0"/>
+          </a:p>
+          <a:p>
+            <a:endParaRPr lang="en-US" sz="1400" dirty="0"/>
+          </a:p>
+          <a:p>
+            <a:endParaRPr lang="en-US" sz="1400" dirty="0"/>
+          </a:p>
+        </p:txBody>
+      </p:sp>
+      <p:sp>
+        <p:nvSpPr>
+          <p:cNvPr id="136" name="TextBox 135"/>
           <p:cNvSpPr txBox="1"/>
           <p:nvPr/>
         </p:nvSpPr>
         <p:spPr>
           <a:xfrm>
-            <a:off x="5356809" y="3737353"/>
+            <a:off x="5539906" y="3736560"/>
             <a:ext cx="182880" cy="466344"/>
           </a:xfrm>
           <a:prstGeom prst="rect">
@@ -5400,25 +5367,25 @@
           </a:bodyPr>
           <a:lstStyle/>
           <a:p>
-            <a:endParaRPr lang="en-US" sz="1400" dirty="0" smtClean="0"/>
-          </a:p>
-          <a:p>
-            <a:endParaRPr lang="en-US" sz="1400" dirty="0"/>
-          </a:p>
-          <a:p>
-            <a:endParaRPr lang="en-US" sz="1400" dirty="0"/>
-          </a:p>
-        </p:txBody>
-      </p:sp>
-      <p:sp>
-        <p:nvSpPr>
-          <p:cNvPr id="136" name="TextBox 135"/>
+            <a:endParaRPr lang="en-US" sz="1400" dirty="0"/>
+          </a:p>
+          <a:p>
+            <a:endParaRPr lang="en-US" sz="1400" dirty="0"/>
+          </a:p>
+          <a:p>
+            <a:endParaRPr lang="en-US" sz="1400" dirty="0"/>
+          </a:p>
+        </p:txBody>
+      </p:sp>
+      <p:sp>
+        <p:nvSpPr>
+          <p:cNvPr id="137" name="TextBox 136"/>
           <p:cNvSpPr txBox="1"/>
           <p:nvPr/>
         </p:nvSpPr>
         <p:spPr>
           <a:xfrm>
-            <a:off x="5539906" y="3736560"/>
+            <a:off x="5173192" y="3736243"/>
             <a:ext cx="182880" cy="466344"/>
           </a:xfrm>
           <a:prstGeom prst="rect">
@@ -5439,25 +5406,25 @@
           </a:bodyPr>
           <a:lstStyle/>
           <a:p>
-            <a:endParaRPr lang="en-US" sz="1400" dirty="0" smtClean="0"/>
-          </a:p>
-          <a:p>
-            <a:endParaRPr lang="en-US" sz="1400" dirty="0"/>
-          </a:p>
-          <a:p>
-            <a:endParaRPr lang="en-US" sz="1400" dirty="0"/>
-          </a:p>
-        </p:txBody>
-      </p:sp>
-      <p:sp>
-        <p:nvSpPr>
-          <p:cNvPr id="137" name="TextBox 136"/>
+            <a:endParaRPr lang="en-US" sz="1400" dirty="0"/>
+          </a:p>
+          <a:p>
+            <a:endParaRPr lang="en-US" sz="1400" dirty="0"/>
+          </a:p>
+          <a:p>
+            <a:endParaRPr lang="en-US" sz="1400" dirty="0"/>
+          </a:p>
+        </p:txBody>
+      </p:sp>
+      <p:sp>
+        <p:nvSpPr>
+          <p:cNvPr id="138" name="TextBox 137"/>
           <p:cNvSpPr txBox="1"/>
           <p:nvPr/>
         </p:nvSpPr>
         <p:spPr>
           <a:xfrm>
-            <a:off x="5173192" y="3736243"/>
+            <a:off x="5722755" y="3737034"/>
             <a:ext cx="182880" cy="466344"/>
           </a:xfrm>
           <a:prstGeom prst="rect">
@@ -5478,25 +5445,25 @@
           </a:bodyPr>
           <a:lstStyle/>
           <a:p>
-            <a:endParaRPr lang="en-US" sz="1400" dirty="0" smtClean="0"/>
-          </a:p>
-          <a:p>
-            <a:endParaRPr lang="en-US" sz="1400" dirty="0"/>
-          </a:p>
-          <a:p>
-            <a:endParaRPr lang="en-US" sz="1400" dirty="0"/>
-          </a:p>
-        </p:txBody>
-      </p:sp>
-      <p:sp>
-        <p:nvSpPr>
-          <p:cNvPr id="138" name="TextBox 137"/>
+            <a:endParaRPr lang="en-US" sz="1400" dirty="0"/>
+          </a:p>
+          <a:p>
+            <a:endParaRPr lang="en-US" sz="1400" dirty="0"/>
+          </a:p>
+          <a:p>
+            <a:endParaRPr lang="en-US" sz="1400" dirty="0"/>
+          </a:p>
+        </p:txBody>
+      </p:sp>
+      <p:sp>
+        <p:nvSpPr>
+          <p:cNvPr id="140" name="TextBox 139"/>
           <p:cNvSpPr txBox="1"/>
           <p:nvPr/>
         </p:nvSpPr>
         <p:spPr>
           <a:xfrm>
-            <a:off x="5722755" y="3737034"/>
+            <a:off x="5906108" y="3736560"/>
             <a:ext cx="182880" cy="466344"/>
           </a:xfrm>
           <a:prstGeom prst="rect">
@@ -5517,46 +5484,7 @@
           </a:bodyPr>
           <a:lstStyle/>
           <a:p>
-            <a:endParaRPr lang="en-US" sz="1400" dirty="0" smtClean="0"/>
-          </a:p>
-          <a:p>
-            <a:endParaRPr lang="en-US" sz="1400" dirty="0"/>
-          </a:p>
-          <a:p>
-            <a:endParaRPr lang="en-US" sz="1400" dirty="0"/>
-          </a:p>
-        </p:txBody>
-      </p:sp>
-      <p:sp>
-        <p:nvSpPr>
-          <p:cNvPr id="140" name="TextBox 139"/>
-          <p:cNvSpPr txBox="1"/>
-          <p:nvPr/>
-        </p:nvSpPr>
-        <p:spPr>
-          <a:xfrm>
-            <a:off x="5906108" y="3736560"/>
-            <a:ext cx="182880" cy="466344"/>
-          </a:xfrm>
-          <a:prstGeom prst="rect">
-            <a:avLst/>
-          </a:prstGeom>
-          <a:solidFill>
-            <a:srgbClr val="9933FF"/>
-          </a:solidFill>
-          <a:ln w="0">
-            <a:solidFill>
-              <a:schemeClr val="tx1"/>
-            </a:solidFill>
-          </a:ln>
-        </p:spPr>
-        <p:txBody>
-          <a:bodyPr wrap="square" rtlCol="0">
-            <a:spAutoFit/>
-          </a:bodyPr>
-          <a:lstStyle/>
-          <a:p>
-            <a:endParaRPr lang="en-US" sz="1400" dirty="0" smtClean="0"/>
+            <a:endParaRPr lang="en-US" sz="1400" dirty="0"/>
           </a:p>
           <a:p>
             <a:endParaRPr lang="en-US" sz="1400" dirty="0"/>
@@ -5595,7 +5523,7 @@
           </a:bodyPr>
           <a:lstStyle/>
           <a:p>
-            <a:endParaRPr lang="en-US" sz="1400" dirty="0" smtClean="0"/>
+            <a:endParaRPr lang="en-US" sz="1400" dirty="0"/>
           </a:p>
           <a:p>
             <a:endParaRPr lang="en-US" sz="1400" dirty="0"/>
@@ -5632,7 +5560,7 @@
           </a:bodyPr>
           <a:lstStyle/>
           <a:p>
-            <a:endParaRPr lang="en-US" sz="1400" dirty="0" smtClean="0"/>
+            <a:endParaRPr lang="en-US" sz="1400" dirty="0"/>
           </a:p>
           <a:p>
             <a:endParaRPr lang="en-US" sz="1400" dirty="0"/>
@@ -5650,7 +5578,7 @@
         </p:nvSpPr>
         <p:spPr>
           <a:xfrm>
-            <a:off x="6732744" y="3737356"/>
+            <a:off x="6732744" y="3728967"/>
             <a:ext cx="182880" cy="466344"/>
           </a:xfrm>
           <a:prstGeom prst="rect">
@@ -5671,7 +5599,7 @@
           </a:bodyPr>
           <a:lstStyle/>
           <a:p>
-            <a:endParaRPr lang="en-US" sz="1400" dirty="0" smtClean="0"/>
+            <a:endParaRPr lang="en-US" sz="1400" dirty="0"/>
           </a:p>
           <a:p>
             <a:endParaRPr lang="en-US" sz="1400" dirty="0"/>
@@ -5710,7 +5638,7 @@
           </a:bodyPr>
           <a:lstStyle/>
           <a:p>
-            <a:endParaRPr lang="en-US" sz="1400" dirty="0" smtClean="0"/>
+            <a:endParaRPr lang="en-US" sz="1400" dirty="0"/>
           </a:p>
           <a:p>
             <a:endParaRPr lang="en-US" sz="1400" dirty="0"/>
@@ -5747,21 +5675,16 @@
           <a:p>
             <a:pPr algn="ctr"/>
             <a:r>
-              <a:rPr lang="en-US" sz="1100" dirty="0" smtClean="0"/>
+              <a:rPr lang="en-US" sz="1100" dirty="0"/>
               <a:t>Wi-Fi</a:t>
             </a:r>
             <a:br>
-              <a:rPr lang="en-US" sz="1100" dirty="0" smtClean="0"/>
+              <a:rPr lang="en-US" sz="1100" dirty="0"/>
             </a:br>
             <a:r>
               <a:rPr lang="en-US" sz="1100" dirty="0"/>
-              <a:t>u</a:t>
-            </a:r>
-            <a:r>
-              <a:rPr lang="en-US" sz="1100" dirty="0" smtClean="0"/>
-              <a:t>nsuccessful CCA</a:t>
-            </a:r>
-            <a:endParaRPr lang="en-US" sz="1100" dirty="0"/>
+              <a:t>unsuccessful CCA</a:t>
+            </a:r>
           </a:p>
         </p:txBody>
       </p:sp>
@@ -5792,17 +5715,16 @@
           <a:p>
             <a:pPr algn="ctr"/>
             <a:r>
-              <a:rPr lang="en-US" sz="1100" dirty="0" smtClean="0"/>
+              <a:rPr lang="en-US" sz="1100" dirty="0"/>
               <a:t>Wi-Fi</a:t>
             </a:r>
             <a:br>
-              <a:rPr lang="en-US" sz="1100" dirty="0" smtClean="0"/>
+              <a:rPr lang="en-US" sz="1100" dirty="0"/>
             </a:br>
             <a:r>
-              <a:rPr lang="en-US" sz="1100" dirty="0" smtClean="0"/>
+              <a:rPr lang="en-US" sz="1100" dirty="0"/>
               <a:t>successful CCA</a:t>
             </a:r>
-            <a:endParaRPr lang="en-US" sz="1100" dirty="0"/>
           </a:p>
         </p:txBody>
       </p:sp>
@@ -5872,10 +5794,9 @@
           <a:lstStyle/>
           <a:p>
             <a:r>
-              <a:rPr lang="en-US" sz="1100" dirty="0" smtClean="0"/>
+              <a:rPr lang="en-US" sz="1100" dirty="0"/>
               <a:t>Back-off with BI = 7 [slot]</a:t>
             </a:r>
-            <a:endParaRPr lang="en-US" sz="1100" dirty="0"/>
           </a:p>
         </p:txBody>
       </p:sp>
@@ -5906,7 +5827,7 @@
           <a:p>
             <a:pPr algn="ctr"/>
             <a:r>
-              <a:rPr lang="en-US" sz="1200" b="1" dirty="0" smtClean="0">
+              <a:rPr lang="en-US" sz="1200" b="1" dirty="0">
                 <a:solidFill>
                   <a:schemeClr val="bg1"/>
                 </a:solidFill>
@@ -5914,25 +5835,20 @@
               <a:t>LAA</a:t>
             </a:r>
             <a:br>
-              <a:rPr lang="en-US" sz="1200" b="1" dirty="0" smtClean="0">
+              <a:rPr lang="en-US" sz="1200" b="1" dirty="0">
                 <a:solidFill>
                   <a:schemeClr val="bg1"/>
                 </a:solidFill>
               </a:rPr>
             </a:br>
             <a:r>
-              <a:rPr lang="en-US" sz="1200" b="1" dirty="0" smtClean="0">
+              <a:rPr lang="en-US" sz="1200" b="1" dirty="0">
                 <a:solidFill>
                   <a:schemeClr val="bg1"/>
                 </a:solidFill>
               </a:rPr>
               <a:t>Data</a:t>
             </a:r>
-            <a:endParaRPr lang="en-US" sz="1200" b="1" dirty="0">
-              <a:solidFill>
-                <a:schemeClr val="bg1"/>
-              </a:solidFill>
-            </a:endParaRPr>
           </a:p>
         </p:txBody>
       </p:sp>
@@ -5963,7 +5879,7 @@
           <a:p>
             <a:pPr algn="ctr"/>
             <a:r>
-              <a:rPr lang="en-US" sz="1200" b="1" dirty="0" smtClean="0">
+              <a:rPr lang="en-US" sz="1200" b="1" dirty="0">
                 <a:solidFill>
                   <a:schemeClr val="bg1"/>
                 </a:solidFill>
@@ -5971,25 +5887,20 @@
               <a:t>LAA</a:t>
             </a:r>
             <a:br>
-              <a:rPr lang="en-US" sz="1200" b="1" dirty="0" smtClean="0">
+              <a:rPr lang="en-US" sz="1200" b="1" dirty="0">
                 <a:solidFill>
                   <a:schemeClr val="bg1"/>
                 </a:solidFill>
               </a:rPr>
             </a:br>
             <a:r>
-              <a:rPr lang="en-US" sz="1200" b="1" dirty="0" smtClean="0">
+              <a:rPr lang="en-US" sz="1200" b="1" dirty="0">
                 <a:solidFill>
                   <a:schemeClr val="bg1"/>
                 </a:solidFill>
               </a:rPr>
               <a:t>Data</a:t>
             </a:r>
-            <a:endParaRPr lang="en-US" sz="1200" b="1" dirty="0">
-              <a:solidFill>
-                <a:schemeClr val="bg1"/>
-              </a:solidFill>
-            </a:endParaRPr>
           </a:p>
         </p:txBody>
       </p:sp>
@@ -6020,17 +5931,16 @@
           <a:p>
             <a:pPr algn="ctr"/>
             <a:r>
-              <a:rPr lang="en-US" sz="1200" b="1" dirty="0" smtClean="0"/>
+              <a:rPr lang="en-US" sz="1200" b="1" dirty="0"/>
               <a:t>Wi-Fi</a:t>
             </a:r>
           </a:p>
           <a:p>
             <a:pPr algn="ctr"/>
             <a:r>
-              <a:rPr lang="en-US" sz="1200" b="1" dirty="0" smtClean="0"/>
+              <a:rPr lang="en-US" sz="1200" b="1" dirty="0"/>
               <a:t>Data</a:t>
             </a:r>
-            <a:endParaRPr lang="en-US" sz="1200" b="1" dirty="0"/>
           </a:p>
         </p:txBody>
       </p:sp>
@@ -6061,10 +5971,9 @@
           <a:p>
             <a:pPr algn="ctr"/>
             <a:r>
-              <a:rPr lang="en-US" sz="1200" b="1" dirty="0" smtClean="0"/>
+              <a:rPr lang="en-US" sz="1200" b="1" dirty="0"/>
               <a:t>LAA-LTE</a:t>
             </a:r>
-            <a:endParaRPr lang="en-US" sz="1200" b="1" dirty="0"/>
           </a:p>
         </p:txBody>
       </p:sp>
@@ -6095,49 +6004,9 @@
           <a:p>
             <a:pPr algn="ctr"/>
             <a:r>
-              <a:rPr lang="en-US" sz="1200" b="1" dirty="0" smtClean="0"/>
+              <a:rPr lang="en-US" sz="1200" b="1" dirty="0"/>
               <a:t>Wi-Fi</a:t>
             </a:r>
-            <a:endParaRPr lang="en-US" sz="1200" b="1" dirty="0"/>
-          </a:p>
-        </p:txBody>
-      </p:sp>
-      <p:sp>
-        <p:nvSpPr>
-          <p:cNvPr id="83" name="TextBox 82"/>
-          <p:cNvSpPr txBox="1"/>
-          <p:nvPr/>
-        </p:nvSpPr>
-        <p:spPr>
-          <a:xfrm>
-            <a:off x="2715434" y="5257800"/>
-            <a:ext cx="92365" cy="457200"/>
-          </a:xfrm>
-          <a:prstGeom prst="rect">
-            <a:avLst/>
-          </a:prstGeom>
-          <a:solidFill>
-            <a:srgbClr val="FFCCFF"/>
-          </a:solidFill>
-          <a:ln w="0">
-            <a:solidFill>
-              <a:schemeClr val="tx1"/>
-            </a:solidFill>
-          </a:ln>
-        </p:spPr>
-        <p:txBody>
-          <a:bodyPr wrap="square" rtlCol="0">
-            <a:spAutoFit/>
-          </a:bodyPr>
-          <a:lstStyle/>
-          <a:p>
-            <a:endParaRPr lang="en-US" sz="1400" dirty="0" smtClean="0"/>
-          </a:p>
-          <a:p>
-            <a:endParaRPr lang="en-US" sz="1400" dirty="0"/>
-          </a:p>
-          <a:p>
-            <a:endParaRPr lang="en-US" sz="1400" dirty="0"/>
           </a:p>
         </p:txBody>
       </p:sp>
@@ -6173,7 +6042,7 @@
           </a:bodyPr>
           <a:lstStyle/>
           <a:p>
-            <a:endParaRPr lang="en-US" sz="1400" dirty="0" smtClean="0"/>
+            <a:endParaRPr lang="en-US" sz="1400" dirty="0"/>
           </a:p>
           <a:p>
             <a:endParaRPr lang="en-US" sz="1400" dirty="0"/>
@@ -6212,7 +6081,7 @@
           </a:bodyPr>
           <a:lstStyle/>
           <a:p>
-            <a:endParaRPr lang="en-US" sz="1400" dirty="0" smtClean="0"/>
+            <a:endParaRPr lang="en-US" sz="1400" dirty="0"/>
           </a:p>
           <a:p>
             <a:endParaRPr lang="en-US" sz="1400" dirty="0"/>
@@ -6230,7 +6099,7 @@
         </p:nvSpPr>
         <p:spPr>
           <a:xfrm>
-            <a:off x="6590572" y="5248656"/>
+            <a:off x="6553687" y="5248656"/>
             <a:ext cx="182880" cy="466344"/>
           </a:xfrm>
           <a:prstGeom prst="rect">
@@ -6251,7 +6120,7 @@
           </a:bodyPr>
           <a:lstStyle/>
           <a:p>
-            <a:endParaRPr lang="en-US" sz="1400" dirty="0" smtClean="0"/>
+            <a:endParaRPr lang="en-US" sz="1400" dirty="0"/>
           </a:p>
           <a:p>
             <a:endParaRPr lang="en-US" sz="1400" dirty="0"/>
@@ -6290,7 +6159,7 @@
           </a:bodyPr>
           <a:lstStyle/>
           <a:p>
-            <a:endParaRPr lang="en-US" sz="1400" dirty="0" smtClean="0"/>
+            <a:endParaRPr lang="en-US" sz="1400" dirty="0"/>
           </a:p>
           <a:p>
             <a:endParaRPr lang="en-US" sz="1400" dirty="0"/>
@@ -6363,24 +6232,23 @@
           <a:p>
             <a:pPr algn="ctr"/>
             <a:r>
-              <a:rPr lang="en-US" sz="1100" dirty="0" smtClean="0"/>
+              <a:rPr lang="en-US" sz="1100" dirty="0"/>
               <a:t>New</a:t>
             </a:r>
             <a:br>
-              <a:rPr lang="en-US" sz="1100" dirty="0" smtClean="0"/>
+              <a:rPr lang="en-US" sz="1100" dirty="0"/>
             </a:br>
             <a:r>
-              <a:rPr lang="en-US" sz="1100" dirty="0" smtClean="0"/>
+              <a:rPr lang="en-US" sz="1100" dirty="0"/>
               <a:t>frame</a:t>
             </a:r>
             <a:br>
-              <a:rPr lang="en-US" sz="1100" dirty="0" smtClean="0"/>
+              <a:rPr lang="en-US" sz="1100" dirty="0"/>
             </a:br>
             <a:r>
-              <a:rPr lang="en-US" sz="1100" dirty="0" smtClean="0"/>
+              <a:rPr lang="en-US" sz="1100" dirty="0"/>
               <a:t>arrives</a:t>
             </a:r>
-            <a:endParaRPr lang="en-US" sz="1100" dirty="0"/>
           </a:p>
         </p:txBody>
       </p:sp>
@@ -6447,24 +6315,23 @@
           <a:p>
             <a:pPr algn="ctr"/>
             <a:r>
-              <a:rPr lang="en-US" sz="1100" dirty="0" smtClean="0"/>
+              <a:rPr lang="en-US" sz="1100" dirty="0"/>
               <a:t>New</a:t>
             </a:r>
             <a:br>
-              <a:rPr lang="en-US" sz="1100" dirty="0" smtClean="0"/>
+              <a:rPr lang="en-US" sz="1100" dirty="0"/>
             </a:br>
             <a:r>
-              <a:rPr lang="en-US" sz="1100" dirty="0" smtClean="0"/>
+              <a:rPr lang="en-US" sz="1100" dirty="0"/>
               <a:t>frame</a:t>
             </a:r>
             <a:br>
-              <a:rPr lang="en-US" sz="1100" dirty="0" smtClean="0"/>
+              <a:rPr lang="en-US" sz="1100" dirty="0"/>
             </a:br>
             <a:r>
-              <a:rPr lang="en-US" sz="1100" dirty="0" smtClean="0"/>
+              <a:rPr lang="en-US" sz="1100" dirty="0"/>
               <a:t>arrives</a:t>
             </a:r>
-            <a:endParaRPr lang="en-US" sz="1100" dirty="0"/>
           </a:p>
         </p:txBody>
       </p:sp>
@@ -6534,10 +6401,9 @@
           <a:lstStyle/>
           <a:p>
             <a:r>
-              <a:rPr lang="en-US" sz="900" dirty="0" smtClean="0"/>
+              <a:rPr lang="en-US" sz="900" dirty="0"/>
               <a:t>DIFS</a:t>
             </a:r>
-            <a:endParaRPr lang="en-US" sz="900" dirty="0"/>
           </a:p>
         </p:txBody>
       </p:sp>
@@ -6728,10 +6594,9 @@
           <a:lstStyle/>
           <a:p>
             <a:r>
-              <a:rPr lang="en-US" sz="900" dirty="0" smtClean="0"/>
+              <a:rPr lang="en-US" sz="900" dirty="0"/>
               <a:t>DIFS</a:t>
             </a:r>
-            <a:endParaRPr lang="en-US" sz="900" dirty="0"/>
           </a:p>
         </p:txBody>
       </p:sp>
@@ -6761,10 +6626,9 @@
           <a:lstStyle/>
           <a:p>
             <a:r>
-              <a:rPr lang="en-US" sz="1200" dirty="0" smtClean="0"/>
+              <a:rPr lang="en-US" sz="1200" dirty="0"/>
               <a:t>ACK</a:t>
             </a:r>
-            <a:endParaRPr lang="en-US" sz="1200" dirty="0"/>
           </a:p>
         </p:txBody>
       </p:sp>
@@ -6873,10 +6737,9 @@
           <a:p>
             <a:pPr algn="ctr"/>
             <a:r>
-              <a:rPr lang="en-US" sz="1050" dirty="0" smtClean="0"/>
+              <a:rPr lang="en-US" sz="1050" dirty="0"/>
               <a:t>CCA</a:t>
             </a:r>
-            <a:endParaRPr lang="en-US" sz="1050" dirty="0"/>
           </a:p>
         </p:txBody>
       </p:sp>
@@ -7023,10 +6886,9 @@
           <a:p>
             <a:pPr algn="ctr"/>
             <a:r>
-              <a:rPr lang="en-US" sz="1050" dirty="0" smtClean="0"/>
+              <a:rPr lang="en-US" sz="1050" dirty="0"/>
               <a:t>CCA</a:t>
             </a:r>
-            <a:endParaRPr lang="en-US" sz="1050" dirty="0"/>
           </a:p>
         </p:txBody>
       </p:sp>
@@ -7072,45 +6934,6 @@
       </p:cxnSp>
       <p:sp>
         <p:nvSpPr>
-          <p:cNvPr id="114" name="TextBox 113"/>
-          <p:cNvSpPr txBox="1"/>
-          <p:nvPr/>
-        </p:nvSpPr>
-        <p:spPr>
-          <a:xfrm>
-            <a:off x="3989062" y="3737356"/>
-            <a:ext cx="3476157" cy="466344"/>
-          </a:xfrm>
-          <a:prstGeom prst="rect">
-            <a:avLst/>
-          </a:prstGeom>
-          <a:noFill/>
-          <a:ln w="3175">
-            <a:solidFill>
-              <a:schemeClr val="bg1">
-                <a:lumMod val="50000"/>
-              </a:schemeClr>
-            </a:solidFill>
-          </a:ln>
-        </p:spPr>
-        <p:txBody>
-          <a:bodyPr wrap="square" rtlCol="0">
-            <a:spAutoFit/>
-          </a:bodyPr>
-          <a:lstStyle/>
-          <a:p>
-            <a:endParaRPr lang="en-US" sz="1400" dirty="0" smtClean="0"/>
-          </a:p>
-          <a:p>
-            <a:endParaRPr lang="en-US" sz="1400" dirty="0"/>
-          </a:p>
-          <a:p>
-            <a:endParaRPr lang="en-US" sz="1400" dirty="0"/>
-          </a:p>
-        </p:txBody>
-      </p:sp>
-      <p:sp>
-        <p:nvSpPr>
           <p:cNvPr id="149" name="TextBox 148"/>
           <p:cNvSpPr txBox="1"/>
           <p:nvPr/>
@@ -7139,31 +6962,15 @@
           <a:lstStyle/>
           <a:p>
             <a:pPr algn="ctr"/>
-            <a:r>
-              <a:rPr lang="en-US" sz="1400" b="1" dirty="0" smtClean="0">
-                <a:solidFill>
-                  <a:schemeClr val="bg1"/>
-                </a:solidFill>
-              </a:rPr>
-              <a:t/>
-            </a:r>
             <a:br>
-              <a:rPr lang="en-US" sz="1400" b="1" dirty="0" smtClean="0">
+              <a:rPr lang="en-US" sz="1400" b="1" dirty="0">
                 <a:solidFill>
                   <a:schemeClr val="bg1"/>
                 </a:solidFill>
               </a:rPr>
             </a:br>
-            <a:r>
-              <a:rPr lang="en-US" sz="1400" b="1" dirty="0" smtClean="0">
-                <a:solidFill>
-                  <a:schemeClr val="bg1"/>
-                </a:solidFill>
-              </a:rPr>
-              <a:t/>
-            </a:r>
             <a:br>
-              <a:rPr lang="en-US" sz="1400" b="1" dirty="0" smtClean="0">
+              <a:rPr lang="en-US" sz="1400" b="1" dirty="0">
                 <a:solidFill>
                   <a:schemeClr val="bg1"/>
                 </a:solidFill>
@@ -7204,17 +7011,96 @@
           <a:p>
             <a:pPr algn="ctr"/>
             <a:r>
-              <a:rPr lang="en-US" sz="1200" b="1" dirty="0" smtClean="0"/>
+              <a:rPr lang="en-US" sz="1200" b="1" dirty="0"/>
               <a:t>Wi-Fi</a:t>
             </a:r>
             <a:br>
-              <a:rPr lang="en-US" sz="1200" b="1" dirty="0" smtClean="0"/>
+              <a:rPr lang="en-US" sz="1200" b="1" dirty="0"/>
             </a:br>
             <a:r>
-              <a:rPr lang="en-US" sz="1200" b="1" dirty="0" smtClean="0"/>
+              <a:rPr lang="en-US" sz="1200" b="1" dirty="0"/>
               <a:t>Data</a:t>
             </a:r>
-            <a:endParaRPr lang="en-US" sz="1200" b="1" dirty="0"/>
+          </a:p>
+        </p:txBody>
+      </p:sp>
+      <p:sp>
+        <p:nvSpPr>
+          <p:cNvPr id="115" name="TextBox 114"/>
+          <p:cNvSpPr txBox="1"/>
+          <p:nvPr/>
+        </p:nvSpPr>
+        <p:spPr>
+          <a:xfrm>
+            <a:off x="5350161" y="3729590"/>
+            <a:ext cx="182880" cy="466344"/>
+          </a:xfrm>
+          <a:prstGeom prst="rect">
+            <a:avLst/>
+          </a:prstGeom>
+          <a:solidFill>
+            <a:srgbClr val="9933FF"/>
+          </a:solidFill>
+          <a:ln w="0">
+            <a:solidFill>
+              <a:schemeClr val="tx1"/>
+            </a:solidFill>
+          </a:ln>
+        </p:spPr>
+        <p:txBody>
+          <a:bodyPr wrap="square" rtlCol="0">
+            <a:spAutoFit/>
+          </a:bodyPr>
+          <a:lstStyle/>
+          <a:p>
+            <a:endParaRPr lang="en-US" sz="1400" dirty="0"/>
+          </a:p>
+          <a:p>
+            <a:endParaRPr lang="en-US" sz="1400" dirty="0"/>
+          </a:p>
+          <a:p>
+            <a:endParaRPr lang="en-US" sz="1400" dirty="0"/>
+          </a:p>
+        </p:txBody>
+      </p:sp>
+      <p:sp>
+        <p:nvSpPr>
+          <p:cNvPr id="134" name="TextBox 133"/>
+          <p:cNvSpPr txBox="1"/>
+          <p:nvPr/>
+        </p:nvSpPr>
+        <p:spPr>
+          <a:xfrm>
+            <a:off x="2696374" y="5237444"/>
+            <a:ext cx="92365" cy="457200"/>
+          </a:xfrm>
+          <a:prstGeom prst="rect">
+            <a:avLst/>
+          </a:prstGeom>
+          <a:solidFill>
+            <a:schemeClr val="accent4">
+              <a:lumMod val="75000"/>
+            </a:schemeClr>
+          </a:solidFill>
+          <a:ln w="0">
+            <a:solidFill>
+              <a:schemeClr val="tx1"/>
+            </a:solidFill>
+          </a:ln>
+        </p:spPr>
+        <p:txBody>
+          <a:bodyPr wrap="square" rtlCol="0">
+            <a:spAutoFit/>
+          </a:bodyPr>
+          <a:lstStyle/>
+          <a:p>
+            <a:endParaRPr lang="en-US" sz="1400" dirty="0"/>
+          </a:p>
+          <a:p>
+            <a:endParaRPr lang="en-US" sz="1400" dirty="0"/>
+          </a:p>
+          <a:p>
+            <a:endParaRPr lang="en-US" sz="1400" dirty="0"/>
           </a:p>
         </p:txBody>
       </p:sp>
